--- a/Praesentation/WE-Präsentation2-15_06_18.pptx
+++ b/Praesentation/WE-Präsentation2-15_06_18.pptx
@@ -8079,7 +8079,16 @@
           <a:p>
             <a:r>
               <a:rPr lang="de-DE" sz="3200" dirty="0"/>
-              <a:t>Möglichkeit die Highscore-Tabelle zu löschen (z.B.: Settings: „</a:t>
+              <a:t>Möglichkeit die Highscore-Tabelle zu löschen 	</a:t>
+            </a:r>
+          </a:p>
+          <a:p>
+            <a:pPr marL="0" indent="0">
+              <a:buNone/>
+            </a:pPr>
+            <a:r>
+              <a:rPr lang="de-DE" sz="3200" dirty="0"/>
+              <a:t> (z.B.: Settings: „</a:t>
             </a:r>
             <a:r>
               <a:rPr lang="de-DE" sz="3200" dirty="0" err="1"/>
@@ -8087,7 +8096,7 @@
             </a:r>
             <a:r>
               <a:rPr lang="de-DE" sz="3200" dirty="0"/>
-              <a:t> Highscore“</a:t>
+              <a:t> Highscore“)</a:t>
             </a:r>
           </a:p>
           <a:p>
@@ -9460,7 +9469,7 @@
                             </p:stCondLst>
                             <p:childTnLst>
                               <p:par>
-                                <p:cTn id="5" presetID="1" presetClass="entr" presetSubtype="0" fill="hold" nodeType="clickEffect">
+                                <p:cTn id="5" presetID="1" presetClass="entr" presetSubtype="0" fill="hold" grpId="0" nodeType="clickEffect">
                                   <p:stCondLst>
                                     <p:cond delay="0"/>
                                   </p:stCondLst>
@@ -9473,7 +9482,7 @@
                                           </p:stCondLst>
                                         </p:cTn>
                                         <p:tgtEl>
-                                          <p:spTgt spid="4"/>
+                                          <p:spTgt spid="23"/>
                                         </p:tgtEl>
                                         <p:attrNameLst>
                                           <p:attrName>style.visibility</p:attrName>
@@ -9487,7 +9496,7 @@
                                 </p:cTn>
                               </p:par>
                               <p:par>
-                                <p:cTn id="7" presetID="1" presetClass="entr" presetSubtype="0" fill="hold" grpId="0" nodeType="withEffect">
+                                <p:cTn id="7" presetID="1" presetClass="entr" presetSubtype="0" fill="hold" nodeType="withEffect">
                                   <p:stCondLst>
                                     <p:cond delay="0"/>
                                   </p:stCondLst>
@@ -9500,7 +9509,7 @@
                                           </p:stCondLst>
                                         </p:cTn>
                                         <p:tgtEl>
-                                          <p:spTgt spid="32"/>
+                                          <p:spTgt spid="13"/>
                                         </p:tgtEl>
                                         <p:attrNameLst>
                                           <p:attrName>style.visibility</p:attrName>
@@ -9527,7 +9536,7 @@
                                           </p:stCondLst>
                                         </p:cTn>
                                         <p:tgtEl>
-                                          <p:spTgt spid="33"/>
+                                          <p:spTgt spid="31"/>
                                         </p:tgtEl>
                                         <p:attrNameLst>
                                           <p:attrName>style.visibility</p:attrName>
@@ -9559,7 +9568,7 @@
                             </p:stCondLst>
                             <p:childTnLst>
                               <p:par>
-                                <p:cTn id="13" presetID="1" presetClass="entr" presetSubtype="0" fill="hold" grpId="0" nodeType="clickEffect">
+                                <p:cTn id="13" presetID="1" presetClass="exit" presetSubtype="0" fill="hold" grpId="1" nodeType="clickEffect">
                                   <p:stCondLst>
                                     <p:cond delay="0"/>
                                   </p:stCondLst>
@@ -9567,105 +9576,6 @@
                                     <p:set>
                                       <p:cBhvr>
                                         <p:cTn id="14" dur="1" fill="hold">
-                                          <p:stCondLst>
-                                            <p:cond delay="0"/>
-                                          </p:stCondLst>
-                                        </p:cTn>
-                                        <p:tgtEl>
-                                          <p:spTgt spid="23"/>
-                                        </p:tgtEl>
-                                        <p:attrNameLst>
-                                          <p:attrName>style.visibility</p:attrName>
-                                        </p:attrNameLst>
-                                      </p:cBhvr>
-                                      <p:to>
-                                        <p:strVal val="visible"/>
-                                      </p:to>
-                                    </p:set>
-                                  </p:childTnLst>
-                                </p:cTn>
-                              </p:par>
-                              <p:par>
-                                <p:cTn id="15" presetID="1" presetClass="entr" presetSubtype="0" fill="hold" nodeType="withEffect">
-                                  <p:stCondLst>
-                                    <p:cond delay="0"/>
-                                  </p:stCondLst>
-                                  <p:childTnLst>
-                                    <p:set>
-                                      <p:cBhvr>
-                                        <p:cTn id="16" dur="1" fill="hold">
-                                          <p:stCondLst>
-                                            <p:cond delay="0"/>
-                                          </p:stCondLst>
-                                        </p:cTn>
-                                        <p:tgtEl>
-                                          <p:spTgt spid="13"/>
-                                        </p:tgtEl>
-                                        <p:attrNameLst>
-                                          <p:attrName>style.visibility</p:attrName>
-                                        </p:attrNameLst>
-                                      </p:cBhvr>
-                                      <p:to>
-                                        <p:strVal val="visible"/>
-                                      </p:to>
-                                    </p:set>
-                                  </p:childTnLst>
-                                </p:cTn>
-                              </p:par>
-                              <p:par>
-                                <p:cTn id="17" presetID="1" presetClass="entr" presetSubtype="0" fill="hold" grpId="0" nodeType="withEffect">
-                                  <p:stCondLst>
-                                    <p:cond delay="0"/>
-                                  </p:stCondLst>
-                                  <p:childTnLst>
-                                    <p:set>
-                                      <p:cBhvr>
-                                        <p:cTn id="18" dur="1" fill="hold">
-                                          <p:stCondLst>
-                                            <p:cond delay="0"/>
-                                          </p:stCondLst>
-                                        </p:cTn>
-                                        <p:tgtEl>
-                                          <p:spTgt spid="31"/>
-                                        </p:tgtEl>
-                                        <p:attrNameLst>
-                                          <p:attrName>style.visibility</p:attrName>
-                                        </p:attrNameLst>
-                                      </p:cBhvr>
-                                      <p:to>
-                                        <p:strVal val="visible"/>
-                                      </p:to>
-                                    </p:set>
-                                  </p:childTnLst>
-                                </p:cTn>
-                              </p:par>
-                            </p:childTnLst>
-                          </p:cTn>
-                        </p:par>
-                      </p:childTnLst>
-                    </p:cTn>
-                  </p:par>
-                  <p:par>
-                    <p:cTn id="19" fill="hold">
-                      <p:stCondLst>
-                        <p:cond delay="indefinite"/>
-                      </p:stCondLst>
-                      <p:childTnLst>
-                        <p:par>
-                          <p:cTn id="20" fill="hold">
-                            <p:stCondLst>
-                              <p:cond delay="0"/>
-                            </p:stCondLst>
-                            <p:childTnLst>
-                              <p:par>
-                                <p:cTn id="21" presetID="1" presetClass="exit" presetSubtype="0" fill="hold" grpId="1" nodeType="clickEffect">
-                                  <p:stCondLst>
-                                    <p:cond delay="0"/>
-                                  </p:stCondLst>
-                                  <p:childTnLst>
-                                    <p:set>
-                                      <p:cBhvr>
-                                        <p:cTn id="22" dur="1" fill="hold">
                                           <p:stCondLst>
                                             <p:cond delay="0"/>
                                           </p:stCondLst>
@@ -9688,20 +9598,20 @@
                           </p:cTn>
                         </p:par>
                         <p:par>
-                          <p:cTn id="23" fill="hold">
+                          <p:cTn id="15" fill="hold">
                             <p:stCondLst>
                               <p:cond delay="0"/>
                             </p:stCondLst>
                             <p:childTnLst>
                               <p:par>
-                                <p:cTn id="24" presetID="1" presetClass="exit" presetSubtype="0" fill="hold" nodeType="afterEffect">
+                                <p:cTn id="16" presetID="1" presetClass="exit" presetSubtype="0" fill="hold" nodeType="afterEffect">
                                   <p:stCondLst>
                                     <p:cond delay="0"/>
                                   </p:stCondLst>
                                   <p:childTnLst>
                                     <p:set>
                                       <p:cBhvr>
-                                        <p:cTn id="25" dur="1" fill="hold">
+                                        <p:cTn id="17" dur="1" fill="hold">
                                           <p:stCondLst>
                                             <p:cond delay="0"/>
                                           </p:stCondLst>
@@ -9724,20 +9634,20 @@
                           </p:cTn>
                         </p:par>
                         <p:par>
-                          <p:cTn id="26" fill="hold">
+                          <p:cTn id="18" fill="hold">
                             <p:stCondLst>
                               <p:cond delay="0"/>
                             </p:stCondLst>
                             <p:childTnLst>
                               <p:par>
-                                <p:cTn id="27" presetID="63" presetClass="path" presetSubtype="0" accel="50000" decel="50000" fill="hold" grpId="1" nodeType="afterEffect">
+                                <p:cTn id="19" presetID="63" presetClass="path" presetSubtype="0" accel="50000" decel="50000" fill="hold" grpId="1" nodeType="afterEffect">
                                   <p:stCondLst>
                                     <p:cond delay="0"/>
                                   </p:stCondLst>
                                   <p:childTnLst>
                                     <p:animMotion origin="layout" path="M 2.34176E-6 2.59259E-6 L 0.01185 -0.0007 " pathEditMode="relative" rAng="0" ptsTypes="AA">
                                       <p:cBhvr>
-                                        <p:cTn id="28" dur="500" fill="hold"/>
+                                        <p:cTn id="20" dur="500" fill="hold"/>
                                         <p:tgtEl>
                                           <p:spTgt spid="31"/>
                                         </p:tgtEl>
@@ -9755,20 +9665,20 @@
                           </p:cTn>
                         </p:par>
                         <p:par>
-                          <p:cTn id="29" fill="hold">
+                          <p:cTn id="21" fill="hold">
                             <p:stCondLst>
                               <p:cond delay="500"/>
                             </p:stCondLst>
                             <p:childTnLst>
                               <p:par>
-                                <p:cTn id="30" presetID="1" presetClass="entr" presetSubtype="0" fill="hold" grpId="0" nodeType="afterEffect">
+                                <p:cTn id="22" presetID="1" presetClass="entr" presetSubtype="0" fill="hold" grpId="0" nodeType="afterEffect">
                                   <p:stCondLst>
                                     <p:cond delay="0"/>
                                   </p:stCondLst>
                                   <p:childTnLst>
                                     <p:set>
                                       <p:cBhvr>
-                                        <p:cTn id="31" dur="1" fill="hold">
+                                        <p:cTn id="23" dur="1" fill="hold">
                                           <p:stCondLst>
                                             <p:cond delay="0"/>
                                           </p:stCondLst>
@@ -9788,14 +9698,14 @@
                                 </p:cTn>
                               </p:par>
                               <p:par>
-                                <p:cTn id="32" presetID="1" presetClass="entr" presetSubtype="0" fill="hold" nodeType="withEffect">
+                                <p:cTn id="24" presetID="1" presetClass="entr" presetSubtype="0" fill="hold" nodeType="withEffect">
                                   <p:stCondLst>
                                     <p:cond delay="0"/>
                                   </p:stCondLst>
                                   <p:childTnLst>
                                     <p:set>
                                       <p:cBhvr>
-                                        <p:cTn id="33" dur="1" fill="hold">
+                                        <p:cTn id="25" dur="1" fill="hold">
                                           <p:stCondLst>
                                             <p:cond delay="0"/>
                                           </p:stCondLst>
@@ -9821,26 +9731,26 @@
                     </p:cTn>
                   </p:par>
                   <p:par>
-                    <p:cTn id="34" fill="hold">
+                    <p:cTn id="26" fill="hold">
                       <p:stCondLst>
                         <p:cond delay="indefinite"/>
                       </p:stCondLst>
                       <p:childTnLst>
                         <p:par>
-                          <p:cTn id="35" fill="hold">
+                          <p:cTn id="27" fill="hold">
                             <p:stCondLst>
                               <p:cond delay="0"/>
                             </p:stCondLst>
                             <p:childTnLst>
                               <p:par>
-                                <p:cTn id="36" presetID="1" presetClass="exit" presetSubtype="0" fill="hold" grpId="1" nodeType="clickEffect">
+                                <p:cTn id="28" presetID="1" presetClass="exit" presetSubtype="0" fill="hold" grpId="1" nodeType="clickEffect">
                                   <p:stCondLst>
                                     <p:cond delay="0"/>
                                   </p:stCondLst>
                                   <p:childTnLst>
                                     <p:set>
                                       <p:cBhvr>
-                                        <p:cTn id="37" dur="1" fill="hold">
+                                        <p:cTn id="29" dur="1" fill="hold">
                                           <p:stCondLst>
                                             <p:cond delay="0"/>
                                           </p:stCondLst>
@@ -9860,14 +9770,14 @@
                                 </p:cTn>
                               </p:par>
                               <p:par>
-                                <p:cTn id="38" presetID="1" presetClass="exit" presetSubtype="0" fill="hold" nodeType="withEffect">
+                                <p:cTn id="30" presetID="1" presetClass="exit" presetSubtype="0" fill="hold" nodeType="withEffect">
                                   <p:stCondLst>
                                     <p:cond delay="0"/>
                                   </p:stCondLst>
                                   <p:childTnLst>
                                     <p:set>
                                       <p:cBhvr>
-                                        <p:cTn id="39" dur="1" fill="hold">
+                                        <p:cTn id="31" dur="1" fill="hold">
                                           <p:stCondLst>
                                             <p:cond delay="0"/>
                                           </p:stCondLst>
@@ -9887,14 +9797,14 @@
                                 </p:cTn>
                               </p:par>
                               <p:par>
-                                <p:cTn id="40" presetID="63" presetClass="path" presetSubtype="0" accel="50000" decel="50000" fill="hold" grpId="2" nodeType="withEffect">
+                                <p:cTn id="32" presetID="63" presetClass="path" presetSubtype="0" accel="50000" decel="50000" fill="hold" grpId="2" nodeType="withEffect">
                                   <p:stCondLst>
                                     <p:cond delay="0"/>
                                   </p:stCondLst>
                                   <p:childTnLst>
                                     <p:animMotion origin="layout" path="M 0.01185 -0.0007 L 0.02969 -4.81481E-6 " pathEditMode="relative" rAng="0" ptsTypes="AA">
                                       <p:cBhvr>
-                                        <p:cTn id="41" dur="500" fill="hold"/>
+                                        <p:cTn id="33" dur="500" fill="hold"/>
                                         <p:tgtEl>
                                           <p:spTgt spid="31"/>
                                         </p:tgtEl>
@@ -9912,20 +9822,20 @@
                           </p:cTn>
                         </p:par>
                         <p:par>
-                          <p:cTn id="42" fill="hold">
+                          <p:cTn id="34" fill="hold">
                             <p:stCondLst>
                               <p:cond delay="500"/>
                             </p:stCondLst>
                             <p:childTnLst>
                               <p:par>
-                                <p:cTn id="43" presetID="1" presetClass="entr" presetSubtype="0" fill="hold" grpId="0" nodeType="afterEffect">
+                                <p:cTn id="35" presetID="1" presetClass="entr" presetSubtype="0" fill="hold" grpId="0" nodeType="afterEffect">
                                   <p:stCondLst>
                                     <p:cond delay="0"/>
                                   </p:stCondLst>
                                   <p:childTnLst>
                                     <p:set>
                                       <p:cBhvr>
-                                        <p:cTn id="44" dur="1" fill="hold">
+                                        <p:cTn id="36" dur="1" fill="hold">
                                           <p:stCondLst>
                                             <p:cond delay="0"/>
                                           </p:stCondLst>
@@ -9948,20 +9858,20 @@
                           </p:cTn>
                         </p:par>
                         <p:par>
-                          <p:cTn id="45" fill="hold">
+                          <p:cTn id="37" fill="hold">
                             <p:stCondLst>
                               <p:cond delay="500"/>
                             </p:stCondLst>
                             <p:childTnLst>
                               <p:par>
-                                <p:cTn id="46" presetID="1" presetClass="entr" presetSubtype="0" fill="hold" nodeType="afterEffect">
+                                <p:cTn id="38" presetID="1" presetClass="entr" presetSubtype="0" fill="hold" nodeType="afterEffect">
                                   <p:stCondLst>
                                     <p:cond delay="0"/>
                                   </p:stCondLst>
                                   <p:childTnLst>
                                     <p:set>
                                       <p:cBhvr>
-                                        <p:cTn id="47" dur="1" fill="hold">
+                                        <p:cTn id="39" dur="1" fill="hold">
                                           <p:stCondLst>
                                             <p:cond delay="0"/>
                                           </p:stCondLst>
@@ -10016,8 +9926,6 @@
       <p:bldP spid="31" grpId="0" animBg="1"/>
       <p:bldP spid="31" grpId="1" animBg="1"/>
       <p:bldP spid="31" grpId="2" animBg="1"/>
-      <p:bldP spid="32" grpId="0"/>
-      <p:bldP spid="33" grpId="0"/>
     </p:bldLst>
   </p:timing>
 </p:sld>
@@ -10602,7 +10510,7 @@
         <p:spPr>
           <a:xfrm>
             <a:off x="5685152" y="1403343"/>
-            <a:ext cx="574380" cy="938784"/>
+            <a:ext cx="1057332" cy="938784"/>
           </a:xfrm>
           <a:prstGeom prst="rect">
             <a:avLst/>
@@ -10783,7 +10691,7 @@
             </a:r>
             <a:r>
               <a:rPr lang="de-DE" sz="3200" cap="none" baseline="-25000" dirty="0" err="1"/>
-              <a:t>x</a:t>
+              <a:t>z</a:t>
             </a:r>
             <a:endParaRPr lang="de-DE" sz="3200" cap="none" dirty="0"/>
           </a:p>
@@ -11031,7 +10939,7 @@
                             </p:stCondLst>
                             <p:childTnLst>
                               <p:par>
-                                <p:cTn id="5" presetID="1" presetClass="entr" presetSubtype="0" fill="hold" nodeType="clickEffect">
+                                <p:cTn id="5" presetID="1" presetClass="entr" presetSubtype="0" fill="hold" grpId="0" nodeType="clickEffect">
                                   <p:stCondLst>
                                     <p:cond delay="0"/>
                                   </p:stCondLst>
@@ -11039,105 +10947,6 @@
                                     <p:set>
                                       <p:cBhvr>
                                         <p:cTn id="6" dur="1" fill="hold">
-                                          <p:stCondLst>
-                                            <p:cond delay="0"/>
-                                          </p:stCondLst>
-                                        </p:cTn>
-                                        <p:tgtEl>
-                                          <p:spTgt spid="8"/>
-                                        </p:tgtEl>
-                                        <p:attrNameLst>
-                                          <p:attrName>style.visibility</p:attrName>
-                                        </p:attrNameLst>
-                                      </p:cBhvr>
-                                      <p:to>
-                                        <p:strVal val="visible"/>
-                                      </p:to>
-                                    </p:set>
-                                  </p:childTnLst>
-                                </p:cTn>
-                              </p:par>
-                              <p:par>
-                                <p:cTn id="7" presetID="1" presetClass="entr" presetSubtype="0" fill="hold" grpId="0" nodeType="withEffect">
-                                  <p:stCondLst>
-                                    <p:cond delay="0"/>
-                                  </p:stCondLst>
-                                  <p:childTnLst>
-                                    <p:set>
-                                      <p:cBhvr>
-                                        <p:cTn id="8" dur="1" fill="hold">
-                                          <p:stCondLst>
-                                            <p:cond delay="0"/>
-                                          </p:stCondLst>
-                                        </p:cTn>
-                                        <p:tgtEl>
-                                          <p:spTgt spid="20"/>
-                                        </p:tgtEl>
-                                        <p:attrNameLst>
-                                          <p:attrName>style.visibility</p:attrName>
-                                        </p:attrNameLst>
-                                      </p:cBhvr>
-                                      <p:to>
-                                        <p:strVal val="visible"/>
-                                      </p:to>
-                                    </p:set>
-                                  </p:childTnLst>
-                                </p:cTn>
-                              </p:par>
-                              <p:par>
-                                <p:cTn id="9" presetID="1" presetClass="entr" presetSubtype="0" fill="hold" grpId="0" nodeType="withEffect">
-                                  <p:stCondLst>
-                                    <p:cond delay="0"/>
-                                  </p:stCondLst>
-                                  <p:childTnLst>
-                                    <p:set>
-                                      <p:cBhvr>
-                                        <p:cTn id="10" dur="1" fill="hold">
-                                          <p:stCondLst>
-                                            <p:cond delay="0"/>
-                                          </p:stCondLst>
-                                        </p:cTn>
-                                        <p:tgtEl>
-                                          <p:spTgt spid="21"/>
-                                        </p:tgtEl>
-                                        <p:attrNameLst>
-                                          <p:attrName>style.visibility</p:attrName>
-                                        </p:attrNameLst>
-                                      </p:cBhvr>
-                                      <p:to>
-                                        <p:strVal val="visible"/>
-                                      </p:to>
-                                    </p:set>
-                                  </p:childTnLst>
-                                </p:cTn>
-                              </p:par>
-                            </p:childTnLst>
-                          </p:cTn>
-                        </p:par>
-                      </p:childTnLst>
-                    </p:cTn>
-                  </p:par>
-                  <p:par>
-                    <p:cTn id="11" fill="hold">
-                      <p:stCondLst>
-                        <p:cond delay="indefinite"/>
-                      </p:stCondLst>
-                      <p:childTnLst>
-                        <p:par>
-                          <p:cTn id="12" fill="hold">
-                            <p:stCondLst>
-                              <p:cond delay="0"/>
-                            </p:stCondLst>
-                            <p:childTnLst>
-                              <p:par>
-                                <p:cTn id="13" presetID="1" presetClass="entr" presetSubtype="0" fill="hold" grpId="0" nodeType="clickEffect">
-                                  <p:stCondLst>
-                                    <p:cond delay="0"/>
-                                  </p:stCondLst>
-                                  <p:childTnLst>
-                                    <p:set>
-                                      <p:cBhvr>
-                                        <p:cTn id="14" dur="1" fill="hold">
                                           <p:stCondLst>
                                             <p:cond delay="0"/>
                                           </p:stCondLst>
@@ -11157,14 +10966,14 @@
                                 </p:cTn>
                               </p:par>
                               <p:par>
-                                <p:cTn id="15" presetID="1" presetClass="entr" presetSubtype="0" fill="hold" nodeType="withEffect">
+                                <p:cTn id="7" presetID="1" presetClass="entr" presetSubtype="0" fill="hold" nodeType="withEffect">
                                   <p:stCondLst>
                                     <p:cond delay="0"/>
                                   </p:stCondLst>
                                   <p:childTnLst>
                                     <p:set>
                                       <p:cBhvr>
-                                        <p:cTn id="16" dur="1" fill="hold">
+                                        <p:cTn id="8" dur="1" fill="hold">
                                           <p:stCondLst>
                                             <p:cond delay="0"/>
                                           </p:stCondLst>
@@ -11187,20 +10996,20 @@
                           </p:cTn>
                         </p:par>
                         <p:par>
-                          <p:cTn id="17" fill="hold">
+                          <p:cTn id="9" fill="hold">
                             <p:stCondLst>
                               <p:cond delay="0"/>
                             </p:stCondLst>
                             <p:childTnLst>
                               <p:par>
-                                <p:cTn id="18" presetID="1" presetClass="entr" presetSubtype="0" fill="hold" grpId="0" nodeType="afterEffect">
+                                <p:cTn id="10" presetID="1" presetClass="entr" presetSubtype="0" fill="hold" grpId="0" nodeType="afterEffect">
                                   <p:stCondLst>
                                     <p:cond delay="0"/>
                                   </p:stCondLst>
                                   <p:childTnLst>
                                     <p:set>
                                       <p:cBhvr>
-                                        <p:cTn id="19" dur="1" fill="hold">
+                                        <p:cTn id="11" dur="1" fill="hold">
                                           <p:stCondLst>
                                             <p:cond delay="0"/>
                                           </p:stCondLst>
@@ -11226,26 +11035,26 @@
                     </p:cTn>
                   </p:par>
                   <p:par>
-                    <p:cTn id="20" fill="hold">
+                    <p:cTn id="12" fill="hold">
                       <p:stCondLst>
                         <p:cond delay="indefinite"/>
                       </p:stCondLst>
                       <p:childTnLst>
                         <p:par>
-                          <p:cTn id="21" fill="hold">
+                          <p:cTn id="13" fill="hold">
                             <p:stCondLst>
                               <p:cond delay="0"/>
                             </p:stCondLst>
                             <p:childTnLst>
                               <p:par>
-                                <p:cTn id="22" presetID="1" presetClass="exit" presetSubtype="0" fill="hold" grpId="1" nodeType="clickEffect">
+                                <p:cTn id="14" presetID="1" presetClass="exit" presetSubtype="0" fill="hold" grpId="1" nodeType="clickEffect">
                                   <p:stCondLst>
                                     <p:cond delay="0"/>
                                   </p:stCondLst>
                                   <p:childTnLst>
                                     <p:set>
                                       <p:cBhvr>
-                                        <p:cTn id="23" dur="1" fill="hold">
+                                        <p:cTn id="15" dur="1" fill="hold">
                                           <p:stCondLst>
                                             <p:cond delay="0"/>
                                           </p:stCondLst>
@@ -11265,14 +11074,14 @@
                                 </p:cTn>
                               </p:par>
                               <p:par>
-                                <p:cTn id="24" presetID="1" presetClass="exit" presetSubtype="0" fill="hold" nodeType="withEffect">
+                                <p:cTn id="16" presetID="1" presetClass="exit" presetSubtype="0" fill="hold" nodeType="withEffect">
                                   <p:stCondLst>
                                     <p:cond delay="0"/>
                                   </p:stCondLst>
                                   <p:childTnLst>
                                     <p:set>
                                       <p:cBhvr>
-                                        <p:cTn id="25" dur="1" fill="hold">
+                                        <p:cTn id="17" dur="1" fill="hold">
                                           <p:stCondLst>
                                             <p:cond delay="0"/>
                                           </p:stCondLst>
@@ -11295,20 +11104,20 @@
                           </p:cTn>
                         </p:par>
                         <p:par>
-                          <p:cTn id="26" fill="hold">
+                          <p:cTn id="18" fill="hold">
                             <p:stCondLst>
                               <p:cond delay="0"/>
                             </p:stCondLst>
                             <p:childTnLst>
                               <p:par>
-                                <p:cTn id="27" presetID="63" presetClass="path" presetSubtype="0" accel="50000" decel="50000" fill="hold" grpId="1" nodeType="afterEffect">
+                                <p:cTn id="19" presetID="63" presetClass="path" presetSubtype="0" accel="50000" decel="50000" fill="hold" grpId="1" nodeType="afterEffect">
                                   <p:stCondLst>
                                     <p:cond delay="0"/>
                                   </p:stCondLst>
                                   <p:childTnLst>
                                     <p:animMotion origin="layout" path="M -1.76608E-6 0 L 0.02957 0 " pathEditMode="relative" rAng="0" ptsTypes="AA">
                                       <p:cBhvr>
-                                        <p:cTn id="28" dur="500" fill="hold"/>
+                                        <p:cTn id="20" dur="500" fill="hold"/>
                                         <p:tgtEl>
                                           <p:spTgt spid="19"/>
                                         </p:tgtEl>
@@ -11326,20 +11135,20 @@
                           </p:cTn>
                         </p:par>
                         <p:par>
-                          <p:cTn id="29" fill="hold">
+                          <p:cTn id="21" fill="hold">
                             <p:stCondLst>
                               <p:cond delay="500"/>
                             </p:stCondLst>
                             <p:childTnLst>
                               <p:par>
-                                <p:cTn id="30" presetID="1" presetClass="entr" presetSubtype="0" fill="hold" grpId="0" nodeType="afterEffect">
+                                <p:cTn id="22" presetID="1" presetClass="entr" presetSubtype="0" fill="hold" grpId="0" nodeType="afterEffect">
                                   <p:stCondLst>
                                     <p:cond delay="0"/>
                                   </p:stCondLst>
                                   <p:childTnLst>
                                     <p:set>
                                       <p:cBhvr>
-                                        <p:cTn id="31" dur="1" fill="hold">
+                                        <p:cTn id="23" dur="1" fill="hold">
                                           <p:stCondLst>
                                             <p:cond delay="0"/>
                                           </p:stCondLst>
@@ -11359,14 +11168,14 @@
                                 </p:cTn>
                               </p:par>
                               <p:par>
-                                <p:cTn id="32" presetID="1" presetClass="entr" presetSubtype="0" fill="hold" nodeType="withEffect">
+                                <p:cTn id="24" presetID="1" presetClass="entr" presetSubtype="0" fill="hold" nodeType="withEffect">
                                   <p:stCondLst>
                                     <p:cond delay="0"/>
                                   </p:stCondLst>
                                   <p:childTnLst>
                                     <p:set>
                                       <p:cBhvr>
-                                        <p:cTn id="33" dur="1" fill="hold">
+                                        <p:cTn id="25" dur="1" fill="hold">
                                           <p:stCondLst>
                                             <p:cond delay="0"/>
                                           </p:stCondLst>
@@ -11392,26 +11201,26 @@
                     </p:cTn>
                   </p:par>
                   <p:par>
-                    <p:cTn id="34" fill="hold">
+                    <p:cTn id="26" fill="hold">
                       <p:stCondLst>
                         <p:cond delay="indefinite"/>
                       </p:stCondLst>
                       <p:childTnLst>
                         <p:par>
-                          <p:cTn id="35" fill="hold">
+                          <p:cTn id="27" fill="hold">
                             <p:stCondLst>
                               <p:cond delay="0"/>
                             </p:stCondLst>
                             <p:childTnLst>
                               <p:par>
-                                <p:cTn id="36" presetID="1" presetClass="exit" presetSubtype="0" fill="hold" grpId="1" nodeType="clickEffect">
+                                <p:cTn id="28" presetID="1" presetClass="exit" presetSubtype="0" fill="hold" grpId="1" nodeType="clickEffect">
                                   <p:stCondLst>
                                     <p:cond delay="0"/>
                                   </p:stCondLst>
                                   <p:childTnLst>
                                     <p:set>
                                       <p:cBhvr>
-                                        <p:cTn id="37" dur="1" fill="hold">
+                                        <p:cTn id="29" dur="1" fill="hold">
                                           <p:stCondLst>
                                             <p:cond delay="0"/>
                                           </p:stCondLst>
@@ -11431,14 +11240,14 @@
                                 </p:cTn>
                               </p:par>
                               <p:par>
-                                <p:cTn id="38" presetID="1" presetClass="exit" presetSubtype="0" fill="hold" nodeType="withEffect">
+                                <p:cTn id="30" presetID="1" presetClass="exit" presetSubtype="0" fill="hold" nodeType="withEffect">
                                   <p:stCondLst>
                                     <p:cond delay="0"/>
                                   </p:stCondLst>
                                   <p:childTnLst>
                                     <p:set>
                                       <p:cBhvr>
-                                        <p:cTn id="39" dur="1" fill="hold">
+                                        <p:cTn id="31" dur="1" fill="hold">
                                           <p:stCondLst>
                                             <p:cond delay="0"/>
                                           </p:stCondLst>
@@ -11461,20 +11270,20 @@
                           </p:cTn>
                         </p:par>
                         <p:par>
-                          <p:cTn id="40" fill="hold">
+                          <p:cTn id="32" fill="hold">
                             <p:stCondLst>
                               <p:cond delay="0"/>
                             </p:stCondLst>
                             <p:childTnLst>
                               <p:par>
-                                <p:cTn id="41" presetID="63" presetClass="path" presetSubtype="0" accel="50000" decel="50000" fill="hold" grpId="2" nodeType="afterEffect">
+                                <p:cTn id="33" presetID="63" presetClass="path" presetSubtype="0" accel="50000" decel="50000" fill="hold" grpId="2" nodeType="afterEffect">
                                   <p:stCondLst>
                                     <p:cond delay="0"/>
                                   </p:stCondLst>
                                   <p:childTnLst>
                                     <p:animMotion origin="layout" path="M 0.02957 0 L 0.04129 0 " pathEditMode="relative" rAng="0" ptsTypes="AA">
                                       <p:cBhvr>
-                                        <p:cTn id="42" dur="500" fill="hold"/>
+                                        <p:cTn id="34" dur="500" fill="hold"/>
                                         <p:tgtEl>
                                           <p:spTgt spid="19"/>
                                         </p:tgtEl>
@@ -11492,20 +11301,20 @@
                           </p:cTn>
                         </p:par>
                         <p:par>
-                          <p:cTn id="43" fill="hold">
+                          <p:cTn id="35" fill="hold">
                             <p:stCondLst>
                               <p:cond delay="500"/>
                             </p:stCondLst>
                             <p:childTnLst>
                               <p:par>
-                                <p:cTn id="44" presetID="1" presetClass="entr" presetSubtype="0" fill="hold" grpId="0" nodeType="afterEffect">
+                                <p:cTn id="36" presetID="1" presetClass="entr" presetSubtype="0" fill="hold" grpId="0" nodeType="afterEffect">
                                   <p:stCondLst>
                                     <p:cond delay="0"/>
                                   </p:stCondLst>
                                   <p:childTnLst>
                                     <p:set>
                                       <p:cBhvr>
-                                        <p:cTn id="45" dur="1" fill="hold">
+                                        <p:cTn id="37" dur="1" fill="hold">
                                           <p:stCondLst>
                                             <p:cond delay="0"/>
                                           </p:stCondLst>
@@ -11525,14 +11334,14 @@
                                 </p:cTn>
                               </p:par>
                               <p:par>
-                                <p:cTn id="46" presetID="1" presetClass="entr" presetSubtype="0" fill="hold" nodeType="withEffect">
+                                <p:cTn id="38" presetID="1" presetClass="entr" presetSubtype="0" fill="hold" nodeType="withEffect">
                                   <p:stCondLst>
                                     <p:cond delay="0"/>
                                   </p:stCondLst>
                                   <p:childTnLst>
                                     <p:set>
                                       <p:cBhvr>
-                                        <p:cTn id="47" dur="1" fill="hold">
+                                        <p:cTn id="39" dur="1" fill="hold">
                                           <p:stCondLst>
                                             <p:cond delay="0"/>
                                           </p:stCondLst>
@@ -11587,8 +11396,6 @@
       <p:bldP spid="19" grpId="0" animBg="1"/>
       <p:bldP spid="19" grpId="1" animBg="1"/>
       <p:bldP spid="19" grpId="2" animBg="1"/>
-      <p:bldP spid="20" grpId="0"/>
-      <p:bldP spid="21" grpId="0"/>
     </p:bldLst>
   </p:timing>
 </p:sld>
@@ -12187,7 +11994,7 @@
             </p:spPr>
             <p:txBody>
               <a:bodyPr vert="horz" lIns="91440" tIns="45720" rIns="91440" bIns="45720" rtlCol="0">
-                <a:normAutofit/>
+                <a:normAutofit fontScale="92500"/>
               </a:bodyPr>
               <a:lstStyle>
                 <a:lvl1pPr marL="246888" indent="-246888" algn="l" defTabSz="914400" rtl="0" eaLnBrk="1" latinLnBrk="0" hangingPunct="1">
@@ -12359,7 +12166,7 @@
                     <m:sSub>
                       <m:sSubPr>
                         <m:ctrlPr>
-                          <a:rPr lang="de-DE" sz="3200" i="1">
+                          <a:rPr lang="de-DE" sz="3200" i="1" smtClean="0">
                             <a:latin typeface="Cambria Math" panose="02040503050406030204" pitchFamily="18" charset="0"/>
                           </a:rPr>
                         </m:ctrlPr>
@@ -12393,12 +12200,31 @@
                       </a:rPr>
                       <m:t>=</m:t>
                     </m:r>
-                    <m:r>
-                      <a:rPr lang="de-DE" sz="3200" i="1">
-                        <a:latin typeface="Cambria Math" panose="02040503050406030204" pitchFamily="18" charset="0"/>
-                      </a:rPr>
-                      <m:t>𝑎</m:t>
-                    </m:r>
+                    <m:sSub>
+                      <m:sSubPr>
+                        <m:ctrlPr>
+                          <a:rPr lang="de-DE" sz="3200" i="1" smtClean="0">
+                            <a:latin typeface="Cambria Math" panose="02040503050406030204" pitchFamily="18" charset="0"/>
+                          </a:rPr>
+                        </m:ctrlPr>
+                      </m:sSubPr>
+                      <m:e>
+                        <m:r>
+                          <a:rPr lang="de-DE" sz="3200" b="0" i="1" smtClean="0">
+                            <a:latin typeface="Cambria Math" panose="02040503050406030204" pitchFamily="18" charset="0"/>
+                          </a:rPr>
+                          <m:t>𝑎</m:t>
+                        </m:r>
+                      </m:e>
+                      <m:sub>
+                        <m:r>
+                          <a:rPr lang="de-DE" sz="3200" b="0" i="1" smtClean="0">
+                            <a:latin typeface="Cambria Math" panose="02040503050406030204" pitchFamily="18" charset="0"/>
+                          </a:rPr>
+                          <m:t>𝑖</m:t>
+                        </m:r>
+                      </m:sub>
+                    </m:sSub>
                     <m:r>
                       <a:rPr lang="de-DE" sz="3200" i="1">
                         <a:latin typeface="Cambria Math" panose="02040503050406030204" pitchFamily="18" charset="0"/>
@@ -12583,7 +12409,7 @@
             </p:spPr>
             <p:txBody>
               <a:bodyPr vert="horz" lIns="91440" tIns="45720" rIns="91440" bIns="45720" rtlCol="0">
-                <a:normAutofit/>
+                <a:normAutofit fontScale="92500"/>
               </a:bodyPr>
               <a:lstStyle>
                 <a:lvl1pPr marL="246888" indent="-246888" algn="l" defTabSz="914400" rtl="0" eaLnBrk="1" latinLnBrk="0" hangingPunct="1">
@@ -12789,12 +12615,31 @@
                       </a:rPr>
                       <m:t>=</m:t>
                     </m:r>
-                    <m:r>
-                      <a:rPr lang="de-DE" sz="3200" i="1">
-                        <a:latin typeface="Cambria Math" panose="02040503050406030204" pitchFamily="18" charset="0"/>
-                      </a:rPr>
-                      <m:t>𝑎</m:t>
-                    </m:r>
+                    <m:sSub>
+                      <m:sSubPr>
+                        <m:ctrlPr>
+                          <a:rPr lang="de-DE" sz="3200" i="1" smtClean="0">
+                            <a:latin typeface="Cambria Math" panose="02040503050406030204" pitchFamily="18" charset="0"/>
+                          </a:rPr>
+                        </m:ctrlPr>
+                      </m:sSubPr>
+                      <m:e>
+                        <m:r>
+                          <a:rPr lang="de-DE" sz="3200" b="0" i="1" smtClean="0">
+                            <a:latin typeface="Cambria Math" panose="02040503050406030204" pitchFamily="18" charset="0"/>
+                          </a:rPr>
+                          <m:t>𝑎</m:t>
+                        </m:r>
+                      </m:e>
+                      <m:sub>
+                        <m:r>
+                          <a:rPr lang="de-DE" sz="3200" b="0" i="1" smtClean="0">
+                            <a:latin typeface="Cambria Math" panose="02040503050406030204" pitchFamily="18" charset="0"/>
+                          </a:rPr>
+                          <m:t>𝑖</m:t>
+                        </m:r>
+                      </m:sub>
+                    </m:sSub>
                     <m:r>
                       <a:rPr lang="de-DE" sz="3200" i="1">
                         <a:latin typeface="Cambria Math" panose="02040503050406030204" pitchFamily="18" charset="0"/>

--- a/Praesentation/WE-Präsentation2-15_06_18.pptx
+++ b/Praesentation/WE-Präsentation2-15_06_18.pptx
@@ -241,7 +241,7 @@
             <a:pPr rtl="0"/>
             <a:fld id="{60DD6774-CEAF-48E4-A5C8-52E9FD93D062}" type="datetime1">
               <a:rPr lang="de-DE" smtClean="0"/>
-              <a:t>11.06.2018</a:t>
+              <a:t>13.06.2018</a:t>
             </a:fld>
             <a:endParaRPr lang="de-DE" dirty="0"/>
           </a:p>
@@ -419,7 +419,7 @@
             <a:pPr rtl="0"/>
             <a:fld id="{B854CD51-C2EF-42C8-A86D-CF8C16A6F6DD}" type="datetime1">
               <a:rPr lang="de-DE" smtClean="0"/>
-              <a:t>11.06.2018</a:t>
+              <a:t>13.06.2018</a:t>
             </a:fld>
             <a:endParaRPr lang="de-DE" dirty="0"/>
           </a:p>
@@ -2105,7 +2105,7 @@
             <a:pPr rtl="0"/>
             <a:fld id="{54EBA56C-AF42-4A76-BDCE-17F9198ECCDE}" type="datetime1">
               <a:rPr lang="de-DE" smtClean="0"/>
-              <a:t>11.06.2018</a:t>
+              <a:t>13.06.2018</a:t>
             </a:fld>
             <a:endParaRPr lang="de-DE" dirty="0"/>
           </a:p>
@@ -2370,7 +2370,7 @@
             <a:pPr rtl="0"/>
             <a:fld id="{AB000A6D-F3B8-4E1D-8AEA-E650C6BE2140}" type="datetime1">
               <a:rPr lang="de-DE" smtClean="0"/>
-              <a:t>11.06.2018</a:t>
+              <a:t>13.06.2018</a:t>
             </a:fld>
             <a:endParaRPr lang="de-DE" dirty="0"/>
           </a:p>
@@ -3197,7 +3197,7 @@
             <a:pPr rtl="0"/>
             <a:fld id="{7564F6F9-204A-4387-9952-56BF0C22C558}" type="datetime1">
               <a:rPr lang="de-DE" smtClean="0"/>
-              <a:t>11.06.2018</a:t>
+              <a:t>13.06.2018</a:t>
             </a:fld>
             <a:endParaRPr lang="de-DE" dirty="0"/>
           </a:p>
@@ -3404,7 +3404,7 @@
             <a:pPr rtl="0"/>
             <a:fld id="{5B6846DE-B177-464F-8EED-AC805B1C1514}" type="datetime1">
               <a:rPr lang="de-DE" smtClean="0"/>
-              <a:t>11.06.2018</a:t>
+              <a:t>13.06.2018</a:t>
             </a:fld>
             <a:endParaRPr lang="de-DE" dirty="0"/>
           </a:p>
@@ -4677,7 +4677,7 @@
             <a:pPr rtl="0"/>
             <a:fld id="{D0D50149-B343-4E40-BB94-5D925426A70D}" type="datetime1">
               <a:rPr lang="de-DE" smtClean="0"/>
-              <a:t>11.06.2018</a:t>
+              <a:t>13.06.2018</a:t>
             </a:fld>
             <a:endParaRPr lang="de-DE" dirty="0"/>
           </a:p>
@@ -5006,7 +5006,7 @@
             <a:pPr rtl="0"/>
             <a:fld id="{F20A34E6-FEF7-48CB-8E33-C620C804EC0B}" type="datetime1">
               <a:rPr lang="de-DE" smtClean="0"/>
-              <a:t>11.06.2018</a:t>
+              <a:t>13.06.2018</a:t>
             </a:fld>
             <a:endParaRPr lang="de-DE" dirty="0"/>
           </a:p>
@@ -5461,7 +5461,7 @@
             <a:pPr rtl="0"/>
             <a:fld id="{7B0E2A54-6716-4CAC-BB48-B6277B6B7052}" type="datetime1">
               <a:rPr lang="de-DE" smtClean="0"/>
-              <a:t>11.06.2018</a:t>
+              <a:t>13.06.2018</a:t>
             </a:fld>
             <a:endParaRPr lang="de-DE" dirty="0"/>
           </a:p>
@@ -5598,7 +5598,7 @@
             <a:pPr rtl="0"/>
             <a:fld id="{5C91FAA9-2C2A-4C56-9878-4B0C391A62C5}" type="datetime1">
               <a:rPr lang="de-DE" smtClean="0"/>
-              <a:t>11.06.2018</a:t>
+              <a:t>13.06.2018</a:t>
             </a:fld>
             <a:endParaRPr lang="de-DE" dirty="0"/>
           </a:p>
@@ -5940,7 +5940,7 @@
             <a:pPr rtl="0"/>
             <a:fld id="{68B2468F-CF19-40E7-8F11-5A85169676A2}" type="datetime1">
               <a:rPr lang="de-DE" smtClean="0"/>
-              <a:t>11.06.2018</a:t>
+              <a:t>13.06.2018</a:t>
             </a:fld>
             <a:endParaRPr lang="de-DE" dirty="0"/>
           </a:p>
@@ -6439,7 +6439,7 @@
             <a:pPr rtl="0"/>
             <a:fld id="{80830678-3DED-4A8F-B8CC-9A1E9F0F9ACE}" type="datetime1">
               <a:rPr lang="de-DE" smtClean="0"/>
-              <a:t>11.06.2018</a:t>
+              <a:t>13.06.2018</a:t>
             </a:fld>
             <a:endParaRPr lang="de-DE" dirty="0"/>
           </a:p>
@@ -6894,7 +6894,7 @@
             <a:pPr rtl="0"/>
             <a:fld id="{C477A722-C297-4260-8458-E5C25330612E}" type="datetime1">
               <a:rPr lang="de-DE" smtClean="0"/>
-              <a:t>11.06.2018</a:t>
+              <a:t>13.06.2018</a:t>
             </a:fld>
             <a:endParaRPr lang="de-DE" dirty="0"/>
           </a:p>
@@ -7425,7 +7425,7 @@
             <a:pPr rtl="0"/>
             <a:fld id="{2B39E8A1-4844-47A5-BCBC-0B56E379BA78}" type="datetime1">
               <a:rPr lang="de-DE" smtClean="0"/>
-              <a:t>11.06.2018</a:t>
+              <a:t>13.06.2018</a:t>
             </a:fld>
             <a:endParaRPr lang="de-DE" dirty="0"/>
           </a:p>
@@ -8128,7 +8128,7 @@
             <a:pPr rtl="0"/>
             <a:fld id="{894776C9-ED0A-485B-B54A-BABB172ECE36}" type="datetime1">
               <a:rPr lang="de-DE" smtClean="0"/>
-              <a:t>11.06.2018</a:t>
+              <a:t>13.06.2018</a:t>
             </a:fld>
             <a:endParaRPr lang="de-DE" dirty="0"/>
           </a:p>
@@ -8365,7 +8365,7 @@
             <a:pPr rtl="0"/>
             <a:fld id="{C726808F-DEBC-4768-BE20-05D303142114}" type="datetime1">
               <a:rPr lang="de-DE" smtClean="0"/>
-              <a:t>11.06.2018</a:t>
+              <a:t>13.06.2018</a:t>
             </a:fld>
             <a:endParaRPr lang="de-DE" dirty="0"/>
           </a:p>
@@ -8549,7 +8549,7 @@
             <a:pPr rtl="0"/>
             <a:fld id="{E0A139BF-5253-47F3-B7CD-F090F2C8E883}" type="datetime1">
               <a:rPr lang="de-DE" smtClean="0"/>
-              <a:t>11.06.2018</a:t>
+              <a:t>13.06.2018</a:t>
             </a:fld>
             <a:endParaRPr lang="de-DE" dirty="0"/>
           </a:p>
@@ -10020,7 +10020,7 @@
             <a:pPr rtl="0"/>
             <a:fld id="{72386C29-9356-43CB-93BC-5D1459E9036E}" type="datetime1">
               <a:rPr lang="de-DE" smtClean="0"/>
-              <a:t>11.06.2018</a:t>
+              <a:t>13.06.2018</a:t>
             </a:fld>
             <a:endParaRPr lang="de-DE" dirty="0"/>
           </a:p>
@@ -11490,7 +11490,7 @@
             <a:pPr rtl="0"/>
             <a:fld id="{21CFC6C3-7CAC-4A31-8228-BADED31340FC}" type="datetime1">
               <a:rPr lang="de-DE" smtClean="0"/>
-              <a:t>11.06.2018</a:t>
+              <a:t>13.06.2018</a:t>
             </a:fld>
             <a:endParaRPr lang="de-DE" dirty="0"/>
           </a:p>
@@ -11705,7 +11705,7 @@
             <a:pPr rtl="0"/>
             <a:fld id="{85577329-7D0D-4331-AB3E-396EC17B5E5E}" type="datetime1">
               <a:rPr lang="de-DE" smtClean="0"/>
-              <a:t>11.06.2018</a:t>
+              <a:t>13.06.2018</a:t>
             </a:fld>
             <a:endParaRPr lang="de-DE" dirty="0"/>
           </a:p>
@@ -11967,8 +11967,8 @@
           </a:p>
         </p:txBody>
       </p:sp>
-      <mc:AlternateContent xmlns:mc="http://schemas.openxmlformats.org/markup-compatibility/2006">
-        <mc:Choice xmlns:a14="http://schemas.microsoft.com/office/drawing/2010/main" Requires="a14">
+      <mc:AlternateContent xmlns:mc="http://schemas.openxmlformats.org/markup-compatibility/2006" xmlns:a14="http://schemas.microsoft.com/office/drawing/2010/main">
+        <mc:Choice Requires="a14">
           <p:sp>
             <p:nvSpPr>
               <p:cNvPr id="19" name="Inhaltsplatzhalter 13">
@@ -12278,7 +12278,7 @@
             </p:txBody>
           </p:sp>
         </mc:Choice>
-        <mc:Fallback>
+        <mc:Fallback xmlns="">
           <p:sp>
             <p:nvSpPr>
               <p:cNvPr id="19" name="Inhaltsplatzhalter 13">
@@ -12382,8 +12382,8 @@
           </a:prstGeom>
         </p:spPr>
       </p:pic>
-      <mc:AlternateContent xmlns:mc="http://schemas.openxmlformats.org/markup-compatibility/2006">
-        <mc:Choice xmlns:a14="http://schemas.microsoft.com/office/drawing/2010/main" Requires="a14">
+      <mc:AlternateContent xmlns:mc="http://schemas.openxmlformats.org/markup-compatibility/2006" xmlns:a14="http://schemas.microsoft.com/office/drawing/2010/main">
+        <mc:Choice Requires="a14">
           <p:sp>
             <p:nvSpPr>
               <p:cNvPr id="13" name="Inhaltsplatzhalter 13">
@@ -12755,7 +12755,7 @@
             </p:txBody>
           </p:sp>
         </mc:Choice>
-        <mc:Fallback>
+        <mc:Fallback xmlns="">
           <p:sp>
             <p:nvSpPr>
               <p:cNvPr id="13" name="Inhaltsplatzhalter 13">
@@ -13325,7 +13325,7 @@
             <a:pPr rtl="0"/>
             <a:fld id="{97B8A01B-ACCE-487F-8B1A-2F74E528E4A7}" type="datetime1">
               <a:rPr lang="de-DE" smtClean="0"/>
-              <a:t>11.06.2018</a:t>
+              <a:t>13.06.2018</a:t>
             </a:fld>
             <a:endParaRPr lang="de-DE" dirty="0"/>
           </a:p>
@@ -13529,7 +13529,7 @@
             <a:pPr rtl="0"/>
             <a:fld id="{97B8A01B-ACCE-487F-8B1A-2F74E528E4A7}" type="datetime1">
               <a:rPr lang="de-DE" smtClean="0"/>
-              <a:t>11.06.2018</a:t>
+              <a:t>13.06.2018</a:t>
             </a:fld>
             <a:endParaRPr lang="de-DE" dirty="0"/>
           </a:p>
@@ -13689,7 +13689,7 @@
             </a:avLst>
           </a:prstGeom>
           <a:noFill/>
-          <a:ln w="28575">
+          <a:ln w="38100">
             <a:solidFill>
               <a:srgbClr val="FF0000"/>
             </a:solidFill>
@@ -13741,7 +13741,7 @@
             <a:avLst/>
           </a:prstGeom>
           <a:noFill/>
-          <a:ln w="28575">
+          <a:ln w="38100">
             <a:solidFill>
               <a:srgbClr val="0000FF"/>
             </a:solidFill>
@@ -13798,7 +13798,7 @@
             </a:avLst>
           </a:prstGeom>
           <a:noFill/>
-          <a:ln w="28575">
+          <a:ln w="38100">
             <a:solidFill>
               <a:srgbClr val="0000FF"/>
             </a:solidFill>
@@ -14234,7 +14234,7 @@
             <a:pPr rtl="0"/>
             <a:fld id="{97B8A01B-ACCE-487F-8B1A-2F74E528E4A7}" type="datetime1">
               <a:rPr lang="de-DE" smtClean="0"/>
-              <a:t>11.06.2018</a:t>
+              <a:t>13.06.2018</a:t>
             </a:fld>
             <a:endParaRPr lang="de-DE" dirty="0"/>
           </a:p>
@@ -14386,7 +14386,7 @@
             </a:avLst>
           </a:prstGeom>
           <a:noFill/>
-          <a:ln w="28575">
+          <a:ln w="38100">
             <a:solidFill>
               <a:srgbClr val="0000FF"/>
             </a:solidFill>
@@ -14437,7 +14437,9 @@
           <a:prstGeom prst="downArrow">
             <a:avLst/>
           </a:prstGeom>
-          <a:noFill/>
+          <a:solidFill>
+            <a:srgbClr val="FF0000"/>
+          </a:solidFill>
           <a:ln w="28575">
             <a:solidFill>
               <a:srgbClr val="FF0000"/>
@@ -14489,7 +14491,9 @@
           <a:prstGeom prst="downArrow">
             <a:avLst/>
           </a:prstGeom>
-          <a:noFill/>
+          <a:solidFill>
+            <a:srgbClr val="83DA52"/>
+          </a:solidFill>
           <a:ln w="28575">
             <a:solidFill>
               <a:srgbClr val="83DA52"/>
@@ -14580,7 +14584,7 @@
             <a:avLst/>
           </a:prstGeom>
           <a:noFill/>
-          <a:ln w="28575">
+          <a:ln w="38100">
             <a:solidFill>
               <a:srgbClr val="FF0000"/>
             </a:solidFill>
@@ -14632,6 +14636,60 @@
             <a:avLst/>
           </a:prstGeom>
           <a:noFill/>
+          <a:ln w="38100">
+            <a:solidFill>
+              <a:srgbClr val="83DA52"/>
+            </a:solidFill>
+          </a:ln>
+        </p:spPr>
+        <p:style>
+          <a:lnRef idx="2">
+            <a:schemeClr val="accent1">
+              <a:shade val="50000"/>
+            </a:schemeClr>
+          </a:lnRef>
+          <a:fillRef idx="1">
+            <a:schemeClr val="accent1"/>
+          </a:fillRef>
+          <a:effectRef idx="0">
+            <a:schemeClr val="accent1"/>
+          </a:effectRef>
+          <a:fontRef idx="minor">
+            <a:schemeClr val="lt1"/>
+          </a:fontRef>
+        </p:style>
+        <p:txBody>
+          <a:bodyPr rtlCol="0" anchor="ctr"/>
+          <a:lstStyle/>
+          <a:p>
+            <a:pPr algn="ctr"/>
+            <a:endParaRPr lang="de-DE"/>
+          </a:p>
+        </p:txBody>
+      </p:sp>
+      <p:sp>
+        <p:nvSpPr>
+          <p:cNvPr id="33" name="Pfeil: nach unten 32">
+            <a:extLst>
+              <a:ext uri="{FF2B5EF4-FFF2-40B4-BE49-F238E27FC236}">
+                <a16:creationId xmlns:a16="http://schemas.microsoft.com/office/drawing/2014/main" id="{9B2CA66D-B5C3-4174-9908-BACAF646DCA6}"/>
+              </a:ext>
+            </a:extLst>
+          </p:cNvPr>
+          <p:cNvSpPr/>
+          <p:nvPr/>
+        </p:nvSpPr>
+        <p:spPr>
+          <a:xfrm rot="5400000">
+            <a:off x="4693891" y="1748364"/>
+            <a:ext cx="499740" cy="725401"/>
+          </a:xfrm>
+          <a:prstGeom prst="downArrow">
+            <a:avLst/>
+          </a:prstGeom>
+          <a:solidFill>
+            <a:srgbClr val="83DA52"/>
+          </a:solidFill>
           <a:ln w="28575">
             <a:solidFill>
               <a:srgbClr val="83DA52"/>
@@ -14665,58 +14723,6 @@
       </p:sp>
       <p:sp>
         <p:nvSpPr>
-          <p:cNvPr id="33" name="Pfeil: nach unten 32">
-            <a:extLst>
-              <a:ext uri="{FF2B5EF4-FFF2-40B4-BE49-F238E27FC236}">
-                <a16:creationId xmlns:a16="http://schemas.microsoft.com/office/drawing/2014/main" id="{9B2CA66D-B5C3-4174-9908-BACAF646DCA6}"/>
-              </a:ext>
-            </a:extLst>
-          </p:cNvPr>
-          <p:cNvSpPr/>
-          <p:nvPr/>
-        </p:nvSpPr>
-        <p:spPr>
-          <a:xfrm rot="5400000">
-            <a:off x="4693891" y="1748364"/>
-            <a:ext cx="499740" cy="725401"/>
-          </a:xfrm>
-          <a:prstGeom prst="downArrow">
-            <a:avLst/>
-          </a:prstGeom>
-          <a:noFill/>
-          <a:ln w="28575">
-            <a:solidFill>
-              <a:srgbClr val="83DA52"/>
-            </a:solidFill>
-          </a:ln>
-        </p:spPr>
-        <p:style>
-          <a:lnRef idx="2">
-            <a:schemeClr val="accent1">
-              <a:shade val="50000"/>
-            </a:schemeClr>
-          </a:lnRef>
-          <a:fillRef idx="1">
-            <a:schemeClr val="accent1"/>
-          </a:fillRef>
-          <a:effectRef idx="0">
-            <a:schemeClr val="accent1"/>
-          </a:effectRef>
-          <a:fontRef idx="minor">
-            <a:schemeClr val="lt1"/>
-          </a:fontRef>
-        </p:style>
-        <p:txBody>
-          <a:bodyPr rtlCol="0" anchor="ctr"/>
-          <a:lstStyle/>
-          <a:p>
-            <a:pPr algn="ctr"/>
-            <a:endParaRPr lang="de-DE"/>
-          </a:p>
-        </p:txBody>
-      </p:sp>
-      <p:sp>
-        <p:nvSpPr>
           <p:cNvPr id="18" name="Pfeil: nach unten 17">
             <a:extLst>
               <a:ext uri="{FF2B5EF4-FFF2-40B4-BE49-F238E27FC236}">
@@ -14735,7 +14741,9 @@
           <a:prstGeom prst="downArrow">
             <a:avLst/>
           </a:prstGeom>
-          <a:noFill/>
+          <a:solidFill>
+            <a:srgbClr val="FF0000"/>
+          </a:solidFill>
           <a:ln w="28575">
             <a:solidFill>
               <a:srgbClr val="FF0000"/>
